--- a/Week 7 -- spatiotemporal models/Lecture/Lecture 7 -- spatio-temporal models.pptx
+++ b/Week 7 -- spatiotemporal models/Lecture/Lecture 7 -- spatio-temporal models.pptx
@@ -214,7 +214,7 @@
           <a:p>
             <a:fld id="{1522831B-4FE3-4D45-950B-0D2C6BB2DD76}" type="datetimeFigureOut">
               <a:rPr lang="en-US" smtClean="0"/>
-              <a:t>5/9/2016</a:t>
+              <a:t>5/10/2016</a:t>
             </a:fld>
             <a:endParaRPr lang="en-US"/>
           </a:p>
@@ -480,6 +480,690 @@
     </a:lvl9pPr>
   </p:notesStyle>
 </p:notesMaster>
+</file>
+
+<file path=ppt/notesSlides/notesSlide1.xml><?xml version="1.0" encoding="utf-8"?>
+<p:notes xmlns:a="http://schemas.openxmlformats.org/drawingml/2006/main" xmlns:r="http://schemas.openxmlformats.org/officeDocument/2006/relationships" xmlns:p="http://schemas.openxmlformats.org/presentationml/2006/main">
+  <p:cSld>
+    <p:spTree>
+      <p:nvGrpSpPr>
+        <p:cNvPr id="1" name=""/>
+        <p:cNvGrpSpPr/>
+        <p:nvPr/>
+      </p:nvGrpSpPr>
+      <p:grpSpPr>
+        <a:xfrm>
+          <a:off x="0" y="0"/>
+          <a:ext cx="0" cy="0"/>
+          <a:chOff x="0" y="0"/>
+          <a:chExt cx="0" cy="0"/>
+        </a:xfrm>
+      </p:grpSpPr>
+      <p:sp>
+        <p:nvSpPr>
+          <p:cNvPr id="2" name="Slide Image Placeholder 1"/>
+          <p:cNvSpPr>
+            <a:spLocks noGrp="1" noRot="1" noChangeAspect="1"/>
+          </p:cNvSpPr>
+          <p:nvPr>
+            <p:ph type="sldImg"/>
+          </p:nvPr>
+        </p:nvSpPr>
+        <p:spPr/>
+      </p:sp>
+      <p:sp>
+        <p:nvSpPr>
+          <p:cNvPr id="3" name="Notes Placeholder 2"/>
+          <p:cNvSpPr>
+            <a:spLocks noGrp="1"/>
+          </p:cNvSpPr>
+          <p:nvPr>
+            <p:ph type="body" idx="1"/>
+          </p:nvPr>
+        </p:nvSpPr>
+        <p:spPr/>
+        <p:txBody>
+          <a:bodyPr/>
+          <a:lstStyle/>
+          <a:p>
+            <a:pPr marL="0" marR="0" indent="0" algn="l" defTabSz="914400" rtl="0" eaLnBrk="1" fontAlgn="auto" latinLnBrk="0" hangingPunct="1">
+              <a:lnSpc>
+                <a:spcPct val="100000"/>
+              </a:lnSpc>
+              <a:spcBef>
+                <a:spcPts val="0"/>
+              </a:spcBef>
+              <a:spcAft>
+                <a:spcPts val="0"/>
+              </a:spcAft>
+              <a:buClrTx/>
+              <a:buSzTx/>
+              <a:buFontTx/>
+              <a:buNone/>
+              <a:tabLst/>
+              <a:defRPr/>
+            </a:pPr>
+            <a:r>
+              <a:rPr lang="en-US" dirty="0" smtClean="0"/>
+              <a:t>Think about if</a:t>
+            </a:r>
+            <a:r>
+              <a:rPr lang="en-US" baseline="0" dirty="0" smtClean="0"/>
+              <a:t> my stuff should be smoothed or independent – fishing sites, landings sites</a:t>
+            </a:r>
+            <a:endParaRPr lang="en-US" dirty="0" smtClean="0"/>
+          </a:p>
+          <a:p>
+            <a:endParaRPr lang="en-US" dirty="0"/>
+          </a:p>
+        </p:txBody>
+      </p:sp>
+      <p:sp>
+        <p:nvSpPr>
+          <p:cNvPr id="4" name="Slide Number Placeholder 3"/>
+          <p:cNvSpPr>
+            <a:spLocks noGrp="1"/>
+          </p:cNvSpPr>
+          <p:nvPr>
+            <p:ph type="sldNum" sz="quarter" idx="10"/>
+          </p:nvPr>
+        </p:nvSpPr>
+        <p:spPr/>
+        <p:txBody>
+          <a:bodyPr/>
+          <a:lstStyle/>
+          <a:p>
+            <a:fld id="{DCDC1745-AA19-4253-83E6-9EAE9D7EFFC9}" type="slidenum">
+              <a:rPr lang="en-US" smtClean="0"/>
+              <a:t>3</a:t>
+            </a:fld>
+            <a:endParaRPr lang="en-US"/>
+          </a:p>
+        </p:txBody>
+      </p:sp>
+    </p:spTree>
+    <p:extLst>
+      <p:ext uri="{BB962C8B-B14F-4D97-AF65-F5344CB8AC3E}">
+        <p14:creationId xmlns:p14="http://schemas.microsoft.com/office/powerpoint/2010/main" val="586905591"/>
+      </p:ext>
+    </p:extLst>
+  </p:cSld>
+  <p:clrMapOvr>
+    <a:masterClrMapping/>
+  </p:clrMapOvr>
+</p:notes>
+</file>
+
+<file path=ppt/notesSlides/notesSlide2.xml><?xml version="1.0" encoding="utf-8"?>
+<p:notes xmlns:a="http://schemas.openxmlformats.org/drawingml/2006/main" xmlns:r="http://schemas.openxmlformats.org/officeDocument/2006/relationships" xmlns:p="http://schemas.openxmlformats.org/presentationml/2006/main">
+  <p:cSld>
+    <p:spTree>
+      <p:nvGrpSpPr>
+        <p:cNvPr id="1" name=""/>
+        <p:cNvGrpSpPr/>
+        <p:nvPr/>
+      </p:nvGrpSpPr>
+      <p:grpSpPr>
+        <a:xfrm>
+          <a:off x="0" y="0"/>
+          <a:ext cx="0" cy="0"/>
+          <a:chOff x="0" y="0"/>
+          <a:chExt cx="0" cy="0"/>
+        </a:xfrm>
+      </p:grpSpPr>
+      <p:sp>
+        <p:nvSpPr>
+          <p:cNvPr id="2" name="Slide Image Placeholder 1"/>
+          <p:cNvSpPr>
+            <a:spLocks noGrp="1" noRot="1" noChangeAspect="1"/>
+          </p:cNvSpPr>
+          <p:nvPr>
+            <p:ph type="sldImg"/>
+          </p:nvPr>
+        </p:nvSpPr>
+        <p:spPr/>
+      </p:sp>
+      <p:sp>
+        <p:nvSpPr>
+          <p:cNvPr id="3" name="Notes Placeholder 2"/>
+          <p:cNvSpPr>
+            <a:spLocks noGrp="1"/>
+          </p:cNvSpPr>
+          <p:nvPr>
+            <p:ph type="body" idx="1"/>
+          </p:nvPr>
+        </p:nvSpPr>
+        <p:spPr/>
+        <p:txBody>
+          <a:bodyPr/>
+          <a:lstStyle/>
+          <a:p>
+            <a:r>
+              <a:rPr lang="en-US" dirty="0" smtClean="0"/>
+              <a:t>“data-wasteful” method</a:t>
+            </a:r>
+            <a:r>
+              <a:rPr lang="en-US" baseline="0" dirty="0" smtClean="0"/>
+              <a:t> of approaching this problem </a:t>
+            </a:r>
+            <a:r>
+              <a:rPr lang="en-US" baseline="0" dirty="0" smtClean="0">
+                <a:sym typeface="Wingdings" panose="05000000000000000000" pitchFamily="2" charset="2"/>
+              </a:rPr>
+              <a:t> independent spatial areas</a:t>
+            </a:r>
+          </a:p>
+          <a:p>
+            <a:endParaRPr lang="en-US" baseline="0" dirty="0" smtClean="0">
+              <a:sym typeface="Wingdings" panose="05000000000000000000" pitchFamily="2" charset="2"/>
+            </a:endParaRPr>
+          </a:p>
+          <a:p>
+            <a:r>
+              <a:rPr lang="en-US" baseline="0" dirty="0" smtClean="0">
+                <a:sym typeface="Wingdings" panose="05000000000000000000" pitchFamily="2" charset="2"/>
+              </a:rPr>
+              <a:t>Case 1 – model with data, things are bouncing around from year to year, want a model that can capture the variation</a:t>
+            </a:r>
+          </a:p>
+          <a:p>
+            <a:pPr marL="171450" indent="-171450">
+              <a:buFontTx/>
+              <a:buChar char="-"/>
+            </a:pPr>
+            <a:r>
+              <a:rPr lang="en-US" baseline="0" dirty="0" smtClean="0">
+                <a:sym typeface="Wingdings" panose="05000000000000000000" pitchFamily="2" charset="2"/>
+              </a:rPr>
+              <a:t>Maybe in a couple years, change in technology – not accounting for that explicitly in the model but want the model to reflect large changes in catch</a:t>
+            </a:r>
+          </a:p>
+          <a:p>
+            <a:pPr marL="171450" indent="-171450">
+              <a:buFontTx/>
+              <a:buChar char="-"/>
+            </a:pPr>
+            <a:r>
+              <a:rPr lang="en-US" baseline="0" dirty="0" smtClean="0">
+                <a:sym typeface="Wingdings" panose="05000000000000000000" pitchFamily="2" charset="2"/>
+              </a:rPr>
+              <a:t>Descriptive model, hard to interpret biologically</a:t>
+            </a:r>
+          </a:p>
+          <a:p>
+            <a:pPr marL="171450" indent="-171450">
+              <a:buFontTx/>
+              <a:buChar char="-"/>
+            </a:pPr>
+            <a:endParaRPr lang="en-US" baseline="0" dirty="0" smtClean="0">
+              <a:sym typeface="Wingdings" panose="05000000000000000000" pitchFamily="2" charset="2"/>
+            </a:endParaRPr>
+          </a:p>
+          <a:p>
+            <a:pPr marL="0" indent="0">
+              <a:buFontTx/>
+              <a:buNone/>
+            </a:pPr>
+            <a:r>
+              <a:rPr lang="en-US" baseline="0" dirty="0" smtClean="0">
+                <a:sym typeface="Wingdings" panose="05000000000000000000" pitchFamily="2" charset="2"/>
+              </a:rPr>
+              <a:t>Case 2 – have dynamics where you can place some understanding of the biology occurring, more smoothly, more flexibility than Case 1 for incorporating biological piece</a:t>
+            </a:r>
+          </a:p>
+        </p:txBody>
+      </p:sp>
+      <p:sp>
+        <p:nvSpPr>
+          <p:cNvPr id="4" name="Slide Number Placeholder 3"/>
+          <p:cNvSpPr>
+            <a:spLocks noGrp="1"/>
+          </p:cNvSpPr>
+          <p:nvPr>
+            <p:ph type="sldNum" sz="quarter" idx="10"/>
+          </p:nvPr>
+        </p:nvSpPr>
+        <p:spPr/>
+        <p:txBody>
+          <a:bodyPr/>
+          <a:lstStyle/>
+          <a:p>
+            <a:fld id="{DCDC1745-AA19-4253-83E6-9EAE9D7EFFC9}" type="slidenum">
+              <a:rPr lang="en-US" smtClean="0"/>
+              <a:t>4</a:t>
+            </a:fld>
+            <a:endParaRPr lang="en-US"/>
+          </a:p>
+        </p:txBody>
+      </p:sp>
+    </p:spTree>
+    <p:extLst>
+      <p:ext uri="{BB962C8B-B14F-4D97-AF65-F5344CB8AC3E}">
+        <p14:creationId xmlns:p14="http://schemas.microsoft.com/office/powerpoint/2010/main" val="2446025535"/>
+      </p:ext>
+    </p:extLst>
+  </p:cSld>
+  <p:clrMapOvr>
+    <a:masterClrMapping/>
+  </p:clrMapOvr>
+</p:notes>
+</file>
+
+<file path=ppt/notesSlides/notesSlide3.xml><?xml version="1.0" encoding="utf-8"?>
+<p:notes xmlns:a="http://schemas.openxmlformats.org/drawingml/2006/main" xmlns:r="http://schemas.openxmlformats.org/officeDocument/2006/relationships" xmlns:p="http://schemas.openxmlformats.org/presentationml/2006/main">
+  <p:cSld>
+    <p:spTree>
+      <p:nvGrpSpPr>
+        <p:cNvPr id="1" name=""/>
+        <p:cNvGrpSpPr/>
+        <p:nvPr/>
+      </p:nvGrpSpPr>
+      <p:grpSpPr>
+        <a:xfrm>
+          <a:off x="0" y="0"/>
+          <a:ext cx="0" cy="0"/>
+          <a:chOff x="0" y="0"/>
+          <a:chExt cx="0" cy="0"/>
+        </a:xfrm>
+      </p:grpSpPr>
+      <p:sp>
+        <p:nvSpPr>
+          <p:cNvPr id="2" name="Slide Image Placeholder 1"/>
+          <p:cNvSpPr>
+            <a:spLocks noGrp="1" noRot="1" noChangeAspect="1"/>
+          </p:cNvSpPr>
+          <p:nvPr>
+            <p:ph type="sldImg"/>
+          </p:nvPr>
+        </p:nvSpPr>
+        <p:spPr/>
+      </p:sp>
+      <p:sp>
+        <p:nvSpPr>
+          <p:cNvPr id="3" name="Notes Placeholder 2"/>
+          <p:cNvSpPr>
+            <a:spLocks noGrp="1"/>
+          </p:cNvSpPr>
+          <p:nvPr>
+            <p:ph type="body" idx="1"/>
+          </p:nvPr>
+        </p:nvSpPr>
+        <p:spPr/>
+        <p:txBody>
+          <a:bodyPr/>
+          <a:lstStyle/>
+          <a:p>
+            <a:r>
+              <a:rPr lang="en-US" dirty="0" smtClean="0"/>
+              <a:t>This is another way to writ</a:t>
+            </a:r>
+            <a:r>
+              <a:rPr lang="en-US" baseline="0" dirty="0" smtClean="0"/>
+              <a:t>e the gam notation</a:t>
+            </a:r>
+            <a:endParaRPr lang="en-US" dirty="0"/>
+          </a:p>
+        </p:txBody>
+      </p:sp>
+      <p:sp>
+        <p:nvSpPr>
+          <p:cNvPr id="4" name="Slide Number Placeholder 3"/>
+          <p:cNvSpPr>
+            <a:spLocks noGrp="1"/>
+          </p:cNvSpPr>
+          <p:nvPr>
+            <p:ph type="sldNum" sz="quarter" idx="10"/>
+          </p:nvPr>
+        </p:nvSpPr>
+        <p:spPr/>
+        <p:txBody>
+          <a:bodyPr/>
+          <a:lstStyle/>
+          <a:p>
+            <a:fld id="{DCDC1745-AA19-4253-83E6-9EAE9D7EFFC9}" type="slidenum">
+              <a:rPr lang="en-US" smtClean="0"/>
+              <a:t>5</a:t>
+            </a:fld>
+            <a:endParaRPr lang="en-US"/>
+          </a:p>
+        </p:txBody>
+      </p:sp>
+    </p:spTree>
+    <p:extLst>
+      <p:ext uri="{BB962C8B-B14F-4D97-AF65-F5344CB8AC3E}">
+        <p14:creationId xmlns:p14="http://schemas.microsoft.com/office/powerpoint/2010/main" val="1792297726"/>
+      </p:ext>
+    </p:extLst>
+  </p:cSld>
+  <p:clrMapOvr>
+    <a:masterClrMapping/>
+  </p:clrMapOvr>
+</p:notes>
+</file>
+
+<file path=ppt/notesSlides/notesSlide4.xml><?xml version="1.0" encoding="utf-8"?>
+<p:notes xmlns:a="http://schemas.openxmlformats.org/drawingml/2006/main" xmlns:r="http://schemas.openxmlformats.org/officeDocument/2006/relationships" xmlns:p="http://schemas.openxmlformats.org/presentationml/2006/main">
+  <p:cSld>
+    <p:spTree>
+      <p:nvGrpSpPr>
+        <p:cNvPr id="1" name=""/>
+        <p:cNvGrpSpPr/>
+        <p:nvPr/>
+      </p:nvGrpSpPr>
+      <p:grpSpPr>
+        <a:xfrm>
+          <a:off x="0" y="0"/>
+          <a:ext cx="0" cy="0"/>
+          <a:chOff x="0" y="0"/>
+          <a:chExt cx="0" cy="0"/>
+        </a:xfrm>
+      </p:grpSpPr>
+      <p:sp>
+        <p:nvSpPr>
+          <p:cNvPr id="2" name="Slide Image Placeholder 1"/>
+          <p:cNvSpPr>
+            <a:spLocks noGrp="1" noRot="1" noChangeAspect="1"/>
+          </p:cNvSpPr>
+          <p:nvPr>
+            <p:ph type="sldImg"/>
+          </p:nvPr>
+        </p:nvSpPr>
+        <p:spPr/>
+      </p:sp>
+      <p:sp>
+        <p:nvSpPr>
+          <p:cNvPr id="3" name="Notes Placeholder 2"/>
+          <p:cNvSpPr>
+            <a:spLocks noGrp="1"/>
+          </p:cNvSpPr>
+          <p:nvPr>
+            <p:ph type="body" idx="1"/>
+          </p:nvPr>
+        </p:nvSpPr>
+        <p:spPr/>
+        <p:txBody>
+          <a:bodyPr/>
+          <a:lstStyle/>
+          <a:p>
+            <a:r>
+              <a:rPr lang="en-US" dirty="0" smtClean="0"/>
+              <a:t>Variance partitioning – variances</a:t>
+            </a:r>
+            <a:r>
+              <a:rPr lang="en-US" baseline="0" dirty="0" smtClean="0"/>
+              <a:t> sum to 1 in standard linear model</a:t>
+            </a:r>
+          </a:p>
+          <a:p>
+            <a:r>
+              <a:rPr lang="en-US" baseline="0" dirty="0" smtClean="0"/>
+              <a:t>In GLMs – people want to make statements about variance partitioning for appropriate accounting</a:t>
+            </a:r>
+            <a:endParaRPr lang="en-US" dirty="0"/>
+          </a:p>
+        </p:txBody>
+      </p:sp>
+      <p:sp>
+        <p:nvSpPr>
+          <p:cNvPr id="4" name="Slide Number Placeholder 3"/>
+          <p:cNvSpPr>
+            <a:spLocks noGrp="1"/>
+          </p:cNvSpPr>
+          <p:nvPr>
+            <p:ph type="sldNum" sz="quarter" idx="10"/>
+          </p:nvPr>
+        </p:nvSpPr>
+        <p:spPr/>
+        <p:txBody>
+          <a:bodyPr/>
+          <a:lstStyle/>
+          <a:p>
+            <a:fld id="{DCDC1745-AA19-4253-83E6-9EAE9D7EFFC9}" type="slidenum">
+              <a:rPr lang="en-US" smtClean="0"/>
+              <a:t>7</a:t>
+            </a:fld>
+            <a:endParaRPr lang="en-US"/>
+          </a:p>
+        </p:txBody>
+      </p:sp>
+    </p:spTree>
+    <p:extLst>
+      <p:ext uri="{BB962C8B-B14F-4D97-AF65-F5344CB8AC3E}">
+        <p14:creationId xmlns:p14="http://schemas.microsoft.com/office/powerpoint/2010/main" val="796748796"/>
+      </p:ext>
+    </p:extLst>
+  </p:cSld>
+  <p:clrMapOvr>
+    <a:masterClrMapping/>
+  </p:clrMapOvr>
+</p:notes>
+</file>
+
+<file path=ppt/notesSlides/notesSlide5.xml><?xml version="1.0" encoding="utf-8"?>
+<p:notes xmlns:a="http://schemas.openxmlformats.org/drawingml/2006/main" xmlns:r="http://schemas.openxmlformats.org/officeDocument/2006/relationships" xmlns:p="http://schemas.openxmlformats.org/presentationml/2006/main">
+  <p:cSld>
+    <p:spTree>
+      <p:nvGrpSpPr>
+        <p:cNvPr id="1" name=""/>
+        <p:cNvGrpSpPr/>
+        <p:nvPr/>
+      </p:nvGrpSpPr>
+      <p:grpSpPr>
+        <a:xfrm>
+          <a:off x="0" y="0"/>
+          <a:ext cx="0" cy="0"/>
+          <a:chOff x="0" y="0"/>
+          <a:chExt cx="0" cy="0"/>
+        </a:xfrm>
+      </p:grpSpPr>
+      <p:sp>
+        <p:nvSpPr>
+          <p:cNvPr id="2" name="Slide Image Placeholder 1"/>
+          <p:cNvSpPr>
+            <a:spLocks noGrp="1" noRot="1" noChangeAspect="1"/>
+          </p:cNvSpPr>
+          <p:nvPr>
+            <p:ph type="sldImg"/>
+          </p:nvPr>
+        </p:nvSpPr>
+        <p:spPr/>
+      </p:sp>
+      <p:sp>
+        <p:nvSpPr>
+          <p:cNvPr id="3" name="Notes Placeholder 2"/>
+          <p:cNvSpPr>
+            <a:spLocks noGrp="1"/>
+          </p:cNvSpPr>
+          <p:nvPr>
+            <p:ph type="body" idx="1"/>
+          </p:nvPr>
+        </p:nvSpPr>
+        <p:spPr/>
+        <p:txBody>
+          <a:bodyPr/>
+          <a:lstStyle/>
+          <a:p>
+            <a:r>
+              <a:rPr lang="en-US" dirty="0" err="1" smtClean="0"/>
+              <a:t>Tau</a:t>
+            </a:r>
+            <a:r>
+              <a:rPr lang="en-US" baseline="0" dirty="0" err="1" smtClean="0"/>
+              <a:t>_O</a:t>
+            </a:r>
+            <a:r>
+              <a:rPr lang="en-US" baseline="0" dirty="0" smtClean="0"/>
+              <a:t> = spatial</a:t>
+            </a:r>
+          </a:p>
+          <a:p>
+            <a:r>
+              <a:rPr lang="en-US" baseline="0" dirty="0" err="1" smtClean="0"/>
+              <a:t>Tau_E</a:t>
+            </a:r>
+            <a:r>
+              <a:rPr lang="en-US" baseline="0" dirty="0" smtClean="0"/>
+              <a:t> = spatial-temporal</a:t>
+            </a:r>
+          </a:p>
+          <a:p>
+            <a:endParaRPr lang="en-US" dirty="0"/>
+          </a:p>
+        </p:txBody>
+      </p:sp>
+      <p:sp>
+        <p:nvSpPr>
+          <p:cNvPr id="4" name="Slide Number Placeholder 3"/>
+          <p:cNvSpPr>
+            <a:spLocks noGrp="1"/>
+          </p:cNvSpPr>
+          <p:nvPr>
+            <p:ph type="sldNum" sz="quarter" idx="10"/>
+          </p:nvPr>
+        </p:nvSpPr>
+        <p:spPr/>
+        <p:txBody>
+          <a:bodyPr/>
+          <a:lstStyle/>
+          <a:p>
+            <a:fld id="{DCDC1745-AA19-4253-83E6-9EAE9D7EFFC9}" type="slidenum">
+              <a:rPr lang="en-US" smtClean="0"/>
+              <a:t>8</a:t>
+            </a:fld>
+            <a:endParaRPr lang="en-US"/>
+          </a:p>
+        </p:txBody>
+      </p:sp>
+    </p:spTree>
+    <p:extLst>
+      <p:ext uri="{BB962C8B-B14F-4D97-AF65-F5344CB8AC3E}">
+        <p14:creationId xmlns:p14="http://schemas.microsoft.com/office/powerpoint/2010/main" val="833396222"/>
+      </p:ext>
+    </p:extLst>
+  </p:cSld>
+  <p:clrMapOvr>
+    <a:masterClrMapping/>
+  </p:clrMapOvr>
+</p:notes>
+</file>
+
+<file path=ppt/notesSlides/notesSlide6.xml><?xml version="1.0" encoding="utf-8"?>
+<p:notes xmlns:a="http://schemas.openxmlformats.org/drawingml/2006/main" xmlns:r="http://schemas.openxmlformats.org/officeDocument/2006/relationships" xmlns:p="http://schemas.openxmlformats.org/presentationml/2006/main">
+  <p:cSld>
+    <p:spTree>
+      <p:nvGrpSpPr>
+        <p:cNvPr id="1" name=""/>
+        <p:cNvGrpSpPr/>
+        <p:nvPr/>
+      </p:nvGrpSpPr>
+      <p:grpSpPr>
+        <a:xfrm>
+          <a:off x="0" y="0"/>
+          <a:ext cx="0" cy="0"/>
+          <a:chOff x="0" y="0"/>
+          <a:chExt cx="0" cy="0"/>
+        </a:xfrm>
+      </p:grpSpPr>
+      <p:sp>
+        <p:nvSpPr>
+          <p:cNvPr id="2" name="Slide Image Placeholder 1"/>
+          <p:cNvSpPr>
+            <a:spLocks noGrp="1" noRot="1" noChangeAspect="1"/>
+          </p:cNvSpPr>
+          <p:nvPr>
+            <p:ph type="sldImg"/>
+          </p:nvPr>
+        </p:nvSpPr>
+        <p:spPr/>
+      </p:sp>
+      <p:sp>
+        <p:nvSpPr>
+          <p:cNvPr id="3" name="Notes Placeholder 2"/>
+          <p:cNvSpPr>
+            <a:spLocks noGrp="1"/>
+          </p:cNvSpPr>
+          <p:nvPr>
+            <p:ph type="body" idx="1"/>
+          </p:nvPr>
+        </p:nvSpPr>
+        <p:spPr/>
+        <p:txBody>
+          <a:bodyPr/>
+          <a:lstStyle/>
+          <a:p>
+            <a:r>
+              <a:rPr lang="en-US" dirty="0" smtClean="0"/>
+              <a:t>Ideas</a:t>
+            </a:r>
+            <a:r>
+              <a:rPr lang="en-US" baseline="0" dirty="0" smtClean="0"/>
+              <a:t> for project</a:t>
+            </a:r>
+          </a:p>
+          <a:p>
+            <a:endParaRPr lang="en-US" baseline="0" dirty="0" smtClean="0"/>
+          </a:p>
+          <a:p>
+            <a:r>
+              <a:rPr lang="en-US" baseline="0" dirty="0" smtClean="0"/>
+              <a:t>Center of gravity – are fish moving to warmer temperatures? Are they moving north? Average latitude of a population where you weight by the density at each latitude (weighted average)</a:t>
+            </a:r>
+          </a:p>
+          <a:p>
+            <a:endParaRPr lang="en-US" baseline="0" dirty="0" smtClean="0"/>
+          </a:p>
+          <a:p>
+            <a:r>
+              <a:rPr lang="en-US" baseline="0" dirty="0" smtClean="0"/>
+              <a:t>Studies of density dependence would work better if we looked at a spatial measure of density dependence and not population </a:t>
+            </a:r>
+          </a:p>
+          <a:p>
+            <a:endParaRPr lang="en-US" baseline="0" dirty="0" smtClean="0"/>
+          </a:p>
+          <a:p>
+            <a:r>
+              <a:rPr lang="en-US" baseline="0" dirty="0" smtClean="0"/>
+              <a:t>Think about effective area occupied or average density for studies of detecting serial depletion</a:t>
+            </a:r>
+            <a:endParaRPr lang="en-US" dirty="0"/>
+          </a:p>
+        </p:txBody>
+      </p:sp>
+      <p:sp>
+        <p:nvSpPr>
+          <p:cNvPr id="4" name="Slide Number Placeholder 3"/>
+          <p:cNvSpPr>
+            <a:spLocks noGrp="1"/>
+          </p:cNvSpPr>
+          <p:nvPr>
+            <p:ph type="sldNum" sz="quarter" idx="10"/>
+          </p:nvPr>
+        </p:nvSpPr>
+        <p:spPr/>
+        <p:txBody>
+          <a:bodyPr/>
+          <a:lstStyle/>
+          <a:p>
+            <a:fld id="{DCDC1745-AA19-4253-83E6-9EAE9D7EFFC9}" type="slidenum">
+              <a:rPr lang="en-US" smtClean="0"/>
+              <a:t>14</a:t>
+            </a:fld>
+            <a:endParaRPr lang="en-US"/>
+          </a:p>
+        </p:txBody>
+      </p:sp>
+    </p:spTree>
+    <p:extLst>
+      <p:ext uri="{BB962C8B-B14F-4D97-AF65-F5344CB8AC3E}">
+        <p14:creationId xmlns:p14="http://schemas.microsoft.com/office/powerpoint/2010/main" val="2422760201"/>
+      </p:ext>
+    </p:extLst>
+  </p:cSld>
+  <p:clrMapOvr>
+    <a:masterClrMapping/>
+  </p:clrMapOvr>
+</p:notes>
 </file>
 
 <file path=ppt/slideLayouts/slideLayout1.xml><?xml version="1.0" encoding="utf-8"?>
@@ -5532,8 +6216,8 @@
           </a:p>
         </p:txBody>
       </p:sp>
-      <mc:AlternateContent xmlns:mc="http://schemas.openxmlformats.org/markup-compatibility/2006">
-        <mc:Choice xmlns:a14="http://schemas.microsoft.com/office/drawing/2010/main" Requires="a14">
+      <mc:AlternateContent xmlns:mc="http://schemas.openxmlformats.org/markup-compatibility/2006" xmlns:a14="http://schemas.microsoft.com/office/drawing/2010/main">
+        <mc:Choice Requires="a14">
           <p:sp>
             <p:nvSpPr>
               <p:cNvPr id="3" name="Content Placeholder 2"/>
@@ -5945,7 +6629,7 @@
             </p:txBody>
           </p:sp>
         </mc:Choice>
-        <mc:Fallback>
+        <mc:Fallback xmlns="">
           <p:sp>
             <p:nvSpPr>
               <p:cNvPr id="3" name="Content Placeholder 2"/>
@@ -7280,7 +7964,7 @@
             </p:nvSpPr>
             <p:spPr>
               <a:blipFill>
-                <a:blip r:embed="rId2"/>
+                <a:blip r:embed="rId3"/>
                 <a:stretch>
                   <a:fillRect l="-1085" t="-1436"/>
                 </a:stretch>
@@ -7663,35 +8347,35 @@
                     <a:gridCol w="782725">
                       <a:extLst>
                         <a:ext uri="{9D8B030D-6E8A-4147-A177-3AD203B41FA5}">
-                          <a16:colId xmlns:a16="http://schemas.microsoft.com/office/drawing/2014/main" val="1044793742"/>
+                          <a16:colId xmlns:a16="http://schemas.microsoft.com/office/drawing/2014/main" xmlns="" val="1044793742"/>
                         </a:ext>
                       </a:extLst>
                     </a:gridCol>
                     <a:gridCol w="1455725">
                       <a:extLst>
                         <a:ext uri="{9D8B030D-6E8A-4147-A177-3AD203B41FA5}">
-                          <a16:colId xmlns:a16="http://schemas.microsoft.com/office/drawing/2014/main" val="1247232197"/>
+                          <a16:colId xmlns:a16="http://schemas.microsoft.com/office/drawing/2014/main" xmlns="" val="1247232197"/>
                         </a:ext>
                       </a:extLst>
                     </a:gridCol>
                     <a:gridCol w="2033626">
                       <a:extLst>
                         <a:ext uri="{9D8B030D-6E8A-4147-A177-3AD203B41FA5}">
-                          <a16:colId xmlns:a16="http://schemas.microsoft.com/office/drawing/2014/main" val="2025888858"/>
+                          <a16:colId xmlns:a16="http://schemas.microsoft.com/office/drawing/2014/main" xmlns="" val="2025888858"/>
                         </a:ext>
                       </a:extLst>
                     </a:gridCol>
                     <a:gridCol w="2099462">
                       <a:extLst>
                         <a:ext uri="{9D8B030D-6E8A-4147-A177-3AD203B41FA5}">
-                          <a16:colId xmlns:a16="http://schemas.microsoft.com/office/drawing/2014/main" val="2119540534"/>
+                          <a16:colId xmlns:a16="http://schemas.microsoft.com/office/drawing/2014/main" xmlns="" val="2119540534"/>
                         </a:ext>
                       </a:extLst>
                     </a:gridCol>
                     <a:gridCol w="2128722">
                       <a:extLst>
                         <a:ext uri="{9D8B030D-6E8A-4147-A177-3AD203B41FA5}">
-                          <a16:colId xmlns:a16="http://schemas.microsoft.com/office/drawing/2014/main" val="2262901501"/>
+                          <a16:colId xmlns:a16="http://schemas.microsoft.com/office/drawing/2014/main" xmlns="" val="2262901501"/>
                         </a:ext>
                       </a:extLst>
                     </a:gridCol>
@@ -7776,7 +8460,7 @@
                     </a:tc>
                     <a:extLst>
                       <a:ext uri="{0D108BD9-81ED-4DB2-BD59-A6C34878D82A}">
-                        <a16:rowId xmlns:a16="http://schemas.microsoft.com/office/drawing/2014/main" val="4149236068"/>
+                        <a16:rowId xmlns:a16="http://schemas.microsoft.com/office/drawing/2014/main" xmlns="" val="4149236068"/>
                       </a:ext>
                     </a:extLst>
                   </a:tr>
@@ -7912,7 +8596,7 @@
                     </a:tc>
                     <a:extLst>
                       <a:ext uri="{0D108BD9-81ED-4DB2-BD59-A6C34878D82A}">
-                        <a16:rowId xmlns:a16="http://schemas.microsoft.com/office/drawing/2014/main" val="3786578407"/>
+                        <a16:rowId xmlns:a16="http://schemas.microsoft.com/office/drawing/2014/main" xmlns="" val="3786578407"/>
                       </a:ext>
                     </a:extLst>
                   </a:tr>
@@ -8237,7 +8921,7 @@
                     </a:tc>
                     <a:extLst>
                       <a:ext uri="{0D108BD9-81ED-4DB2-BD59-A6C34878D82A}">
-                        <a16:rowId xmlns:a16="http://schemas.microsoft.com/office/drawing/2014/main" val="4250802862"/>
+                        <a16:rowId xmlns:a16="http://schemas.microsoft.com/office/drawing/2014/main" xmlns="" val="4250802862"/>
                       </a:ext>
                     </a:extLst>
                   </a:tr>
@@ -8822,7 +9506,7 @@
                     </a:tc>
                     <a:extLst>
                       <a:ext uri="{0D108BD9-81ED-4DB2-BD59-A6C34878D82A}">
-                        <a16:rowId xmlns:a16="http://schemas.microsoft.com/office/drawing/2014/main" val="493528068"/>
+                        <a16:rowId xmlns:a16="http://schemas.microsoft.com/office/drawing/2014/main" xmlns="" val="493528068"/>
                       </a:ext>
                     </a:extLst>
                   </a:tr>
@@ -9329,7 +10013,7 @@
                     </a:tc>
                     <a:extLst>
                       <a:ext uri="{0D108BD9-81ED-4DB2-BD59-A6C34878D82A}">
-                        <a16:rowId xmlns:a16="http://schemas.microsoft.com/office/drawing/2014/main" val="760499547"/>
+                        <a16:rowId xmlns:a16="http://schemas.microsoft.com/office/drawing/2014/main" xmlns="" val="760499547"/>
                       </a:ext>
                     </a:extLst>
                   </a:tr>
@@ -9667,7 +10351,7 @@
                       </a:txBody>
                       <a:tcPr>
                         <a:blipFill>
-                          <a:blip r:embed="rId2"/>
+                          <a:blip r:embed="rId3"/>
                           <a:stretch>
                             <a:fillRect l="-110479" t="-208197" r="-208982" b="-391803"/>
                           </a:stretch>
@@ -9684,7 +10368,7 @@
                       </a:txBody>
                       <a:tcPr>
                         <a:blipFill>
-                          <a:blip r:embed="rId2"/>
+                          <a:blip r:embed="rId3"/>
                           <a:stretch>
                             <a:fillRect l="-204360" t="-208197" r="-102907" b="-391803"/>
                           </a:stretch>
@@ -9701,7 +10385,7 @@
                       </a:txBody>
                       <a:tcPr>
                         <a:blipFill>
-                          <a:blip r:embed="rId2"/>
+                          <a:blip r:embed="rId3"/>
                           <a:stretch>
                             <a:fillRect l="-299143" t="-208197" r="-1143" b="-391803"/>
                           </a:stretch>
@@ -9761,7 +10445,7 @@
                       </a:txBody>
                       <a:tcPr>
                         <a:blipFill>
-                          <a:blip r:embed="rId2"/>
+                          <a:blip r:embed="rId3"/>
                           <a:stretch>
                             <a:fillRect l="-110479" t="-179048" r="-208982" b="-127619"/>
                           </a:stretch>
@@ -9778,7 +10462,7 @@
                       </a:txBody>
                       <a:tcPr>
                         <a:blipFill>
-                          <a:blip r:embed="rId2"/>
+                          <a:blip r:embed="rId3"/>
                           <a:stretch>
                             <a:fillRect l="-204360" t="-179048" r="-102907" b="-127619"/>
                           </a:stretch>
@@ -9795,7 +10479,7 @@
                       </a:txBody>
                       <a:tcPr>
                         <a:blipFill>
-                          <a:blip r:embed="rId2"/>
+                          <a:blip r:embed="rId3"/>
                           <a:stretch>
                             <a:fillRect l="-299143" t="-179048" r="-1143" b="-127619"/>
                           </a:stretch>
@@ -9855,7 +10539,7 @@
                       </a:txBody>
                       <a:tcPr>
                         <a:blipFill>
-                          <a:blip r:embed="rId2"/>
+                          <a:blip r:embed="rId3"/>
                           <a:stretch>
                             <a:fillRect l="-110479" t="-424638" r="-208982" b="-94203"/>
                           </a:stretch>
@@ -9872,7 +10556,7 @@
                       </a:txBody>
                       <a:tcPr>
                         <a:blipFill>
-                          <a:blip r:embed="rId2"/>
+                          <a:blip r:embed="rId3"/>
                           <a:stretch>
                             <a:fillRect l="-204360" t="-424638" r="-102907" b="-94203"/>
                           </a:stretch>
@@ -9889,7 +10573,7 @@
                       </a:txBody>
                       <a:tcPr>
                         <a:blipFill>
-                          <a:blip r:embed="rId2"/>
+                          <a:blip r:embed="rId3"/>
                           <a:stretch>
                             <a:fillRect l="-299143" t="-424638" r="-1143" b="-94203"/>
                           </a:stretch>
@@ -9938,35 +10622,35 @@
                     <a:gridCol w="782725">
                       <a:extLst>
                         <a:ext uri="{9D8B030D-6E8A-4147-A177-3AD203B41FA5}">
-                          <a16:colId xmlns:a16="http://schemas.microsoft.com/office/drawing/2014/main" val="1044793742"/>
+                          <a16:colId xmlns:a16="http://schemas.microsoft.com/office/drawing/2014/main" xmlns="" val="1044793742"/>
                         </a:ext>
                       </a:extLst>
                     </a:gridCol>
                     <a:gridCol w="1455725">
                       <a:extLst>
                         <a:ext uri="{9D8B030D-6E8A-4147-A177-3AD203B41FA5}">
-                          <a16:colId xmlns:a16="http://schemas.microsoft.com/office/drawing/2014/main" val="1247232197"/>
+                          <a16:colId xmlns:a16="http://schemas.microsoft.com/office/drawing/2014/main" xmlns="" val="1247232197"/>
                         </a:ext>
                       </a:extLst>
                     </a:gridCol>
                     <a:gridCol w="2033626">
                       <a:extLst>
                         <a:ext uri="{9D8B030D-6E8A-4147-A177-3AD203B41FA5}">
-                          <a16:colId xmlns:a16="http://schemas.microsoft.com/office/drawing/2014/main" val="2025888858"/>
+                          <a16:colId xmlns:a16="http://schemas.microsoft.com/office/drawing/2014/main" xmlns="" val="2025888858"/>
                         </a:ext>
                       </a:extLst>
                     </a:gridCol>
                     <a:gridCol w="2099462">
                       <a:extLst>
                         <a:ext uri="{9D8B030D-6E8A-4147-A177-3AD203B41FA5}">
-                          <a16:colId xmlns:a16="http://schemas.microsoft.com/office/drawing/2014/main" val="2119540534"/>
+                          <a16:colId xmlns:a16="http://schemas.microsoft.com/office/drawing/2014/main" xmlns="" val="2119540534"/>
                         </a:ext>
                       </a:extLst>
                     </a:gridCol>
                     <a:gridCol w="2128722">
                       <a:extLst>
                         <a:ext uri="{9D8B030D-6E8A-4147-A177-3AD203B41FA5}">
-                          <a16:colId xmlns:a16="http://schemas.microsoft.com/office/drawing/2014/main" val="2262901501"/>
+                          <a16:colId xmlns:a16="http://schemas.microsoft.com/office/drawing/2014/main" xmlns="" val="2262901501"/>
                         </a:ext>
                       </a:extLst>
                     </a:gridCol>
@@ -10051,7 +10735,7 @@
                     </a:tc>
                     <a:extLst>
                       <a:ext uri="{0D108BD9-81ED-4DB2-BD59-A6C34878D82A}">
-                        <a16:rowId xmlns:a16="http://schemas.microsoft.com/office/drawing/2014/main" val="4149236068"/>
+                        <a16:rowId xmlns:a16="http://schemas.microsoft.com/office/drawing/2014/main" xmlns="" val="4149236068"/>
                       </a:ext>
                     </a:extLst>
                   </a:tr>
@@ -10187,7 +10871,7 @@
                     </a:tc>
                     <a:extLst>
                       <a:ext uri="{0D108BD9-81ED-4DB2-BD59-A6C34878D82A}">
-                        <a16:rowId xmlns:a16="http://schemas.microsoft.com/office/drawing/2014/main" val="3786578407"/>
+                        <a16:rowId xmlns:a16="http://schemas.microsoft.com/office/drawing/2014/main" xmlns="" val="3786578407"/>
                       </a:ext>
                     </a:extLst>
                   </a:tr>
@@ -10638,7 +11322,7 @@
                     </a:tc>
                     <a:extLst>
                       <a:ext uri="{0D108BD9-81ED-4DB2-BD59-A6C34878D82A}">
-                        <a16:rowId xmlns:a16="http://schemas.microsoft.com/office/drawing/2014/main" val="4250802862"/>
+                        <a16:rowId xmlns:a16="http://schemas.microsoft.com/office/drawing/2014/main" xmlns="" val="4250802862"/>
                       </a:ext>
                     </a:extLst>
                   </a:tr>
@@ -11307,7 +11991,7 @@
                     </a:tc>
                     <a:extLst>
                       <a:ext uri="{0D108BD9-81ED-4DB2-BD59-A6C34878D82A}">
-                        <a16:rowId xmlns:a16="http://schemas.microsoft.com/office/drawing/2014/main" val="493528068"/>
+                        <a16:rowId xmlns:a16="http://schemas.microsoft.com/office/drawing/2014/main" xmlns="" val="493528068"/>
                       </a:ext>
                     </a:extLst>
                   </a:tr>
@@ -11940,7 +12624,7 @@
                     </a:tc>
                     <a:extLst>
                       <a:ext uri="{0D108BD9-81ED-4DB2-BD59-A6C34878D82A}">
-                        <a16:rowId xmlns:a16="http://schemas.microsoft.com/office/drawing/2014/main" val="760499547"/>
+                        <a16:rowId xmlns:a16="http://schemas.microsoft.com/office/drawing/2014/main" xmlns="" val="760499547"/>
                       </a:ext>
                     </a:extLst>
                   </a:tr>
@@ -12278,7 +12962,7 @@
                       </a:txBody>
                       <a:tcPr>
                         <a:blipFill>
-                          <a:blip r:embed="rId3"/>
+                          <a:blip r:embed="rId4"/>
                           <a:stretch>
                             <a:fillRect l="-110479" t="-164935" r="-208982" b="-310390"/>
                           </a:stretch>
@@ -12295,7 +12979,7 @@
                       </a:txBody>
                       <a:tcPr>
                         <a:blipFill>
-                          <a:blip r:embed="rId3"/>
+                          <a:blip r:embed="rId4"/>
                           <a:stretch>
                             <a:fillRect l="-204360" t="-164935" r="-102907" b="-310390"/>
                           </a:stretch>
@@ -12312,7 +12996,7 @@
                       </a:txBody>
                       <a:tcPr>
                         <a:blipFill>
-                          <a:blip r:embed="rId3"/>
+                          <a:blip r:embed="rId4"/>
                           <a:stretch>
                             <a:fillRect l="-299143" t="-164935" r="-1143" b="-310390"/>
                           </a:stretch>
@@ -12372,7 +13056,7 @@
                       </a:txBody>
                       <a:tcPr>
                         <a:blipFill>
-                          <a:blip r:embed="rId3"/>
+                          <a:blip r:embed="rId4"/>
                           <a:stretch>
                             <a:fillRect l="-110479" t="-194286" r="-208982" b="-127619"/>
                           </a:stretch>
@@ -12389,7 +13073,7 @@
                       </a:txBody>
                       <a:tcPr>
                         <a:blipFill>
-                          <a:blip r:embed="rId3"/>
+                          <a:blip r:embed="rId4"/>
                           <a:stretch>
                             <a:fillRect l="-204360" t="-194286" r="-102907" b="-127619"/>
                           </a:stretch>
@@ -12406,7 +13090,7 @@
                       </a:txBody>
                       <a:tcPr>
                         <a:blipFill>
-                          <a:blip r:embed="rId3"/>
+                          <a:blip r:embed="rId4"/>
                           <a:stretch>
                             <a:fillRect l="-299143" t="-194286" r="-1143" b="-127619"/>
                           </a:stretch>
@@ -12466,7 +13150,7 @@
                       </a:txBody>
                       <a:tcPr>
                         <a:blipFill>
-                          <a:blip r:embed="rId3"/>
+                          <a:blip r:embed="rId4"/>
                           <a:stretch>
                             <a:fillRect l="-110479" t="-447826" r="-208982" b="-94203"/>
                           </a:stretch>
@@ -12483,7 +13167,7 @@
                       </a:txBody>
                       <a:tcPr>
                         <a:blipFill>
-                          <a:blip r:embed="rId3"/>
+                          <a:blip r:embed="rId4"/>
                           <a:stretch>
                             <a:fillRect l="-204360" t="-447826" r="-102907" b="-94203"/>
                           </a:stretch>
@@ -12500,7 +13184,7 @@
                       </a:txBody>
                       <a:tcPr>
                         <a:blipFill>
-                          <a:blip r:embed="rId3"/>
+                          <a:blip r:embed="rId4"/>
                           <a:stretch>
                             <a:fillRect l="-299143" t="-447826" r="-1143" b="-94203"/>
                           </a:stretch>
@@ -13027,7 +13711,7 @@
             </p:nvSpPr>
             <p:spPr>
               <a:blipFill>
-                <a:blip r:embed="rId2"/>
+                <a:blip r:embed="rId3"/>
                 <a:stretch>
                   <a:fillRect l="-1424" t="-1026"/>
                 </a:stretch>
@@ -14031,7 +14715,7 @@
             </p:nvSpPr>
             <p:spPr>
               <a:blipFill>
-                <a:blip r:embed="rId2"/>
+                <a:blip r:embed="rId3"/>
                 <a:stretch>
                   <a:fillRect l="-1424" t="-1026"/>
                 </a:stretch>
@@ -15278,7 +15962,7 @@
             </p:nvSpPr>
             <p:spPr>
               <a:blipFill>
-                <a:blip r:embed="rId2"/>
+                <a:blip r:embed="rId3"/>
                 <a:stretch>
                   <a:fillRect l="-1424" t="-1744" b="-308"/>
                 </a:stretch>
@@ -16062,7 +16746,7 @@
             </p:nvSpPr>
             <p:spPr>
               <a:blipFill>
-                <a:blip r:embed="rId2"/>
+                <a:blip r:embed="rId3"/>
                 <a:stretch>
                   <a:fillRect l="-1424" t="-1026"/>
                 </a:stretch>
@@ -16139,8 +16823,8 @@
           </a:p>
         </p:txBody>
       </p:sp>
-      <mc:AlternateContent xmlns:mc="http://schemas.openxmlformats.org/markup-compatibility/2006">
-        <mc:Choice xmlns:a14="http://schemas.microsoft.com/office/drawing/2010/main" Requires="a14">
+      <mc:AlternateContent xmlns:mc="http://schemas.openxmlformats.org/markup-compatibility/2006" xmlns:a14="http://schemas.microsoft.com/office/drawing/2010/main">
+        <mc:Choice Requires="a14">
           <p:sp>
             <p:nvSpPr>
               <p:cNvPr id="3" name="Content Placeholder 2"/>
@@ -16450,7 +17134,7 @@
             </p:txBody>
           </p:sp>
         </mc:Choice>
-        <mc:Fallback>
+        <mc:Fallback xmlns="">
           <p:sp>
             <p:nvSpPr>
               <p:cNvPr id="3" name="Content Placeholder 2"/>
